--- a/Whiteboard design session/WDS trainer presentation - Building a resilient IaaS architecture.pptx
+++ b/Whiteboard design session/WDS trainer presentation - Building a resilient IaaS architecture.pptx
@@ -242,7 +242,7 @@
           <a:p>
             <a:fld id="{D12B4A29-5F37-4DEF-BB05-EEA5E91F514E}" type="datetimeFigureOut">
               <a:rPr lang="en-US" smtClean="0"/>
-              <a:t>10/2/2018</a:t>
+              <a:t>31-Oct-18</a:t>
             </a:fld>
             <a:endParaRPr lang="en-US" dirty="0"/>
           </a:p>
@@ -26357,6 +26357,84 @@
               <a:rPr lang="en-US" dirty="0"/>
             </a:br>
             <a:endParaRPr lang="en-US" dirty="0"/>
+          </a:p>
+        </p:txBody>
+      </p:sp>
+      <p:sp>
+        <p:nvSpPr>
+          <p:cNvPr id="2" name="Rectangle 1">
+            <a:extLst>
+              <a:ext uri="{FF2B5EF4-FFF2-40B4-BE49-F238E27FC236}">
+                <a16:creationId xmlns:a16="http://schemas.microsoft.com/office/drawing/2014/main" id="{30061D15-6323-4CB6-A727-C243A2C3C21B}"/>
+              </a:ext>
+            </a:extLst>
+          </p:cNvPr>
+          <p:cNvSpPr/>
+          <p:nvPr/>
+        </p:nvSpPr>
+        <p:spPr bwMode="auto">
+          <a:xfrm>
+            <a:off x="7328263" y="4611188"/>
+            <a:ext cx="1593669" cy="209006"/>
+          </a:xfrm>
+          <a:prstGeom prst="rect">
+            <a:avLst/>
+          </a:prstGeom>
+          <a:solidFill>
+            <a:schemeClr val="tx1"/>
+          </a:solidFill>
+          <a:ln>
+            <a:noFill/>
+            <a:headEnd type="none" w="med" len="med"/>
+            <a:tailEnd type="none" w="med" len="med"/>
+          </a:ln>
+          <a:effectLst/>
+        </p:spPr>
+        <p:style>
+          <a:lnRef idx="1">
+            <a:schemeClr val="accent2"/>
+          </a:lnRef>
+          <a:fillRef idx="3">
+            <a:schemeClr val="accent2"/>
+          </a:fillRef>
+          <a:effectRef idx="2">
+            <a:schemeClr val="accent2"/>
+          </a:effectRef>
+          <a:fontRef idx="minor">
+            <a:schemeClr val="lt1"/>
+          </a:fontRef>
+        </p:style>
+        <p:txBody>
+          <a:bodyPr rot="0" spcFirstLastPara="0" vertOverflow="overflow" horzOverflow="overflow" vert="horz" wrap="square" lIns="182880" tIns="146304" rIns="182880" bIns="146304" numCol="1" spcCol="0" rtlCol="0" fromWordArt="0" anchor="ctr" anchorCtr="0" forceAA="0" compatLnSpc="1">
+            <a:prstTxWarp prst="textNoShape">
+              <a:avLst/>
+            </a:prstTxWarp>
+            <a:noAutofit/>
+          </a:bodyPr>
+          <a:lstStyle/>
+          <a:p>
+            <a:pPr algn="ctr" defTabSz="932472" fontAlgn="base">
+              <a:lnSpc>
+                <a:spcPct val="90000"/>
+              </a:lnSpc>
+              <a:spcBef>
+                <a:spcPct val="0"/>
+              </a:spcBef>
+              <a:spcAft>
+                <a:spcPct val="0"/>
+              </a:spcAft>
+            </a:pPr>
+            <a:r>
+              <a:rPr lang="en-US" sz="1050" b="1" dirty="0">
+                <a:solidFill>
+                  <a:schemeClr val="bg1"/>
+                </a:solidFill>
+                <a:latin typeface="Segoe UI" panose="020B0502040204020203" pitchFamily="34" charset="0"/>
+                <a:ea typeface="Segoe UI" panose="020B0502040204020203" pitchFamily="34" charset="0"/>
+                <a:cs typeface="Segoe UI" panose="020B0502040204020203" pitchFamily="34" charset="0"/>
+              </a:rPr>
+              <a:t>Availability Zone</a:t>
+            </a:r>
           </a:p>
         </p:txBody>
       </p:sp>
@@ -31364,15 +31442,6 @@
 </file>
 
 <file path=customXml/item1.xml><?xml version="1.0" encoding="utf-8"?>
-<?mso-contentType ?>
-<FormTemplates xmlns="http://schemas.microsoft.com/sharepoint/v3/contenttype/forms">
-  <Display>DocumentLibraryForm</Display>
-  <Edit>DocumentLibraryForm</Edit>
-  <New>DocumentLibraryForm</New>
-</FormTemplates>
-</file>
-
-<file path=customXml/item2.xml><?xml version="1.0" encoding="utf-8"?>
 <ct:contentTypeSchema xmlns:ct="http://schemas.microsoft.com/office/2006/metadata/contentType" xmlns:ma="http://schemas.microsoft.com/office/2006/metadata/properties/metaAttributes" ct:_="" ma:_="" ma:contentTypeName="Document" ma:contentTypeID="0x010100D15DFA3690A15B4081582BBCC6BEAC3E" ma:contentTypeVersion="9" ma:contentTypeDescription="Create a new document." ma:contentTypeScope="" ma:versionID="642da1784587cbe85a7fdbbe4dc36103">
   <xsd:schema xmlns:xsd="http://www.w3.org/2001/XMLSchema" xmlns:xs="http://www.w3.org/2001/XMLSchema" xmlns:p="http://schemas.microsoft.com/office/2006/metadata/properties" xmlns:ns1="http://schemas.microsoft.com/sharepoint/v3" xmlns:ns2="2023ac63-7b75-4916-a9ee-591457758eee" xmlns:ns3="d9c797ad-d7c3-4982-82b7-81352a75e4a5" targetNamespace="http://schemas.microsoft.com/office/2006/metadata/properties" ma:root="true" ma:fieldsID="91198b0246576053cc55dd2c67035a89" ns1:_="" ns2:_="" ns3:_="">
     <xsd:import namespace="http://schemas.microsoft.com/sharepoint/v3"/>
@@ -31574,6 +31643,15 @@
 </ct:contentTypeSchema>
 </file>
 
+<file path=customXml/item2.xml><?xml version="1.0" encoding="utf-8"?>
+<?mso-contentType ?>
+<FormTemplates xmlns="http://schemas.microsoft.com/sharepoint/v3/contenttype/forms">
+  <Display>DocumentLibraryForm</Display>
+  <Edit>DocumentLibraryForm</Edit>
+  <New>DocumentLibraryForm</New>
+</FormTemplates>
+</file>
+
 <file path=customXml/item3.xml><?xml version="1.0" encoding="utf-8"?>
 <p:properties xmlns:p="http://schemas.microsoft.com/office/2006/metadata/properties" xmlns:xsi="http://www.w3.org/2001/XMLSchema-instance" xmlns:pc="http://schemas.microsoft.com/office/infopath/2007/PartnerControls">
   <documentManagement>
@@ -31584,14 +31662,6 @@
 </file>
 
 <file path=customXml/itemProps1.xml><?xml version="1.0" encoding="utf-8"?>
-<ds:datastoreItem xmlns:ds="http://schemas.openxmlformats.org/officeDocument/2006/customXml" ds:itemID="{D5A22677-9165-4AB6-9580-CE94CCD209C5}">
-  <ds:schemaRefs>
-    <ds:schemaRef ds:uri="http://schemas.microsoft.com/sharepoint/v3/contenttype/forms"/>
-  </ds:schemaRefs>
-</ds:datastoreItem>
-</file>
-
-<file path=customXml/itemProps2.xml><?xml version="1.0" encoding="utf-8"?>
 <ds:datastoreItem xmlns:ds="http://schemas.openxmlformats.org/officeDocument/2006/customXml" ds:itemID="{A26E40F2-DB1A-4ED5-85D8-FAE814896E97}">
   <ds:schemaRefs>
     <ds:schemaRef ds:uri="http://schemas.microsoft.com/office/2006/metadata/contentType"/>
@@ -31607,6 +31677,14 @@
     <ds:schemaRef ds:uri="http://purl.org/dc/elements/1.1/"/>
     <ds:schemaRef ds:uri="http://purl.org/dc/terms/"/>
     <ds:schemaRef ds:uri="http://schemas.microsoft.com/internal/obd"/>
+  </ds:schemaRefs>
+</ds:datastoreItem>
+</file>
+
+<file path=customXml/itemProps2.xml><?xml version="1.0" encoding="utf-8"?>
+<ds:datastoreItem xmlns:ds="http://schemas.openxmlformats.org/officeDocument/2006/customXml" ds:itemID="{D5A22677-9165-4AB6-9580-CE94CCD209C5}">
+  <ds:schemaRefs>
+    <ds:schemaRef ds:uri="http://schemas.microsoft.com/sharepoint/v3/contenttype/forms"/>
   </ds:schemaRefs>
 </ds:datastoreItem>
 </file>

--- a/Whiteboard design session/WDS trainer presentation - Building a resilient IaaS architecture.pptx
+++ b/Whiteboard design session/WDS trainer presentation - Building a resilient IaaS architecture.pptx
@@ -242,7 +242,7 @@
           <a:p>
             <a:fld id="{D12B4A29-5F37-4DEF-BB05-EEA5E91F514E}" type="datetimeFigureOut">
               <a:rPr lang="en-US" smtClean="0"/>
-              <a:t>31-Oct-18</a:t>
+              <a:t>02-Nov-18</a:t>
             </a:fld>
             <a:endParaRPr lang="en-US" dirty="0"/>
           </a:p>
@@ -2392,7 +2392,7 @@
                 <a:ea typeface="+mn-ea"/>
                 <a:cs typeface="+mn-cs"/>
               </a:rPr>
-              <a:t>Configure multiple VMs as Domain Controllers in the West Central U.S. region and two others in the West US 2. ADDS Sites and Services will be configured with the two Azure regional virtual networks as new sites in AD.</a:t>
+              <a:t>Configure multiple VMs as Domain Controllers in the East US 2 region and two others in the Central US. ADDS Sites and Services will be configured with the two Azure regional virtual networks as new sites in AD.</a:t>
             </a:r>
           </a:p>
           <a:p>
@@ -2863,7 +2863,7 @@
                 <a:ea typeface="+mn-ea"/>
                 <a:cs typeface="+mn-cs"/>
               </a:rPr>
-              <a:t>SQL Server is critical to the availability of the applications at Contoso. SQL will be implemented using a total of three Servers configured using Always-On Availability Groups. The two servers in West Central US comprise a single primary and a secondary, synchronously replica of the database. The two SQL servers will be deployed into an Azure availability set and are configured behind an internal load balancer which will allow client machines to connect to the listener which will direct traffic to the machines that is designated as the primary replica machine.</a:t>
+              <a:t>SQL Server is critical to the availability of the applications at Contoso. SQL will be implemented using a total of three Servers configured using Always-On Availability Groups. The two servers in East US 2 comprise a single primary and a secondary, synchronously replica of the database. The two SQL servers will be deployed into an Azure availability set and are configured behind an internal load balancer which will allow client machines to connect to the listener which will direct traffic to the machines that is designated as the primary replica machine.</a:t>
             </a:r>
             <a:endParaRPr lang="en-US" dirty="0">
               <a:effectLst/>
@@ -22580,7 +22580,7 @@
           <a:p>
             <a:r>
               <a:rPr lang="en-US" sz="3200" dirty="0"/>
-              <a:t>West central US</a:t>
+              <a:t>East US 2</a:t>
             </a:r>
           </a:p>
           <a:p>
@@ -22640,6 +22640,84 @@
           </a:prstGeom>
         </p:spPr>
       </p:pic>
+      <p:sp>
+        <p:nvSpPr>
+          <p:cNvPr id="5" name="Rectangle 4">
+            <a:extLst>
+              <a:ext uri="{FF2B5EF4-FFF2-40B4-BE49-F238E27FC236}">
+                <a16:creationId xmlns:a16="http://schemas.microsoft.com/office/drawing/2014/main" id="{5C71645A-9841-4E5F-9B21-D28986A13ED4}"/>
+              </a:ext>
+            </a:extLst>
+          </p:cNvPr>
+          <p:cNvSpPr/>
+          <p:nvPr/>
+        </p:nvSpPr>
+        <p:spPr bwMode="auto">
+          <a:xfrm>
+            <a:off x="7175863" y="6463986"/>
+            <a:ext cx="1593669" cy="209006"/>
+          </a:xfrm>
+          <a:prstGeom prst="rect">
+            <a:avLst/>
+          </a:prstGeom>
+          <a:solidFill>
+            <a:schemeClr val="tx1"/>
+          </a:solidFill>
+          <a:ln>
+            <a:noFill/>
+            <a:headEnd type="none" w="med" len="med"/>
+            <a:tailEnd type="none" w="med" len="med"/>
+          </a:ln>
+          <a:effectLst/>
+        </p:spPr>
+        <p:style>
+          <a:lnRef idx="1">
+            <a:schemeClr val="accent2"/>
+          </a:lnRef>
+          <a:fillRef idx="3">
+            <a:schemeClr val="accent2"/>
+          </a:fillRef>
+          <a:effectRef idx="2">
+            <a:schemeClr val="accent2"/>
+          </a:effectRef>
+          <a:fontRef idx="minor">
+            <a:schemeClr val="lt1"/>
+          </a:fontRef>
+        </p:style>
+        <p:txBody>
+          <a:bodyPr rot="0" spcFirstLastPara="0" vertOverflow="overflow" horzOverflow="overflow" vert="horz" wrap="square" lIns="182880" tIns="146304" rIns="182880" bIns="146304" numCol="1" spcCol="0" rtlCol="0" fromWordArt="0" anchor="ctr" anchorCtr="0" forceAA="0" compatLnSpc="1">
+            <a:prstTxWarp prst="textNoShape">
+              <a:avLst/>
+            </a:prstTxWarp>
+            <a:noAutofit/>
+          </a:bodyPr>
+          <a:lstStyle/>
+          <a:p>
+            <a:pPr algn="ctr" defTabSz="932472" fontAlgn="base">
+              <a:lnSpc>
+                <a:spcPct val="90000"/>
+              </a:lnSpc>
+              <a:spcBef>
+                <a:spcPct val="0"/>
+              </a:spcBef>
+              <a:spcAft>
+                <a:spcPct val="0"/>
+              </a:spcAft>
+            </a:pPr>
+            <a:r>
+              <a:rPr lang="en-US" sz="1050" b="1" dirty="0">
+                <a:solidFill>
+                  <a:schemeClr val="bg1"/>
+                </a:solidFill>
+                <a:latin typeface="Segoe UI" panose="020B0502040204020203" pitchFamily="34" charset="0"/>
+                <a:ea typeface="Segoe UI" panose="020B0502040204020203" pitchFamily="34" charset="0"/>
+                <a:cs typeface="Segoe UI" panose="020B0502040204020203" pitchFamily="34" charset="0"/>
+              </a:rPr>
+              <a:t>East US 2</a:t>
+            </a:r>
+          </a:p>
+        </p:txBody>
+      </p:sp>
     </p:spTree>
     <p:extLst>
       <p:ext uri="{BB962C8B-B14F-4D97-AF65-F5344CB8AC3E}">
@@ -22712,7 +22790,7 @@
           <a:p>
             <a:r>
               <a:rPr lang="en-US" sz="3200" dirty="0"/>
-              <a:t>They need assistance with enabling connectivity and authentication for new infrastructure that will be deployed for the Seattle office.</a:t>
+              <a:t>They need assistance with enabling connectivity and authentication for new infrastructure that will be deployed for the Des Moines office.</a:t>
             </a:r>
           </a:p>
           <a:p>
@@ -25699,7 +25777,7 @@
             <a:pPr lvl="0"/>
             <a:r>
               <a:rPr lang="en-US" sz="2400" dirty="0"/>
-              <a:t>Peering for connectivity between the West Central US and West US 2 Azure Regions.</a:t>
+              <a:t>Peering for connectivity between the East US 2 and Central US Azure Regions.</a:t>
             </a:r>
           </a:p>
           <a:p>
@@ -25917,7 +25995,7 @@
           <a:p>
             <a:r>
               <a:rPr lang="en-US" sz="2800" dirty="0"/>
-              <a:t>Peering for connectivity between the west central US and west US 2 Azure regions</a:t>
+              <a:t>Peering for connectivity between the East US 2 and Central US Azure regions</a:t>
             </a:r>
           </a:p>
           <a:p>
@@ -25940,6 +26018,318 @@
           </a:p>
           <a:p>
             <a:endParaRPr lang="en-US" dirty="0"/>
+          </a:p>
+        </p:txBody>
+      </p:sp>
+      <p:sp>
+        <p:nvSpPr>
+          <p:cNvPr id="7" name="Rectangle 6">
+            <a:extLst>
+              <a:ext uri="{FF2B5EF4-FFF2-40B4-BE49-F238E27FC236}">
+                <a16:creationId xmlns:a16="http://schemas.microsoft.com/office/drawing/2014/main" id="{40B22A34-8E30-4C16-A546-B1CC502F2DA1}"/>
+              </a:ext>
+            </a:extLst>
+          </p:cNvPr>
+          <p:cNvSpPr/>
+          <p:nvPr/>
+        </p:nvSpPr>
+        <p:spPr bwMode="auto">
+          <a:xfrm>
+            <a:off x="6521441" y="2250141"/>
+            <a:ext cx="1439218" cy="179294"/>
+          </a:xfrm>
+          <a:prstGeom prst="rect">
+            <a:avLst/>
+          </a:prstGeom>
+          <a:solidFill>
+            <a:schemeClr val="tx1"/>
+          </a:solidFill>
+          <a:ln>
+            <a:noFill/>
+            <a:headEnd type="none" w="med" len="med"/>
+            <a:tailEnd type="none" w="med" len="med"/>
+          </a:ln>
+          <a:effectLst/>
+        </p:spPr>
+        <p:style>
+          <a:lnRef idx="1">
+            <a:schemeClr val="accent2"/>
+          </a:lnRef>
+          <a:fillRef idx="3">
+            <a:schemeClr val="accent2"/>
+          </a:fillRef>
+          <a:effectRef idx="2">
+            <a:schemeClr val="accent2"/>
+          </a:effectRef>
+          <a:fontRef idx="minor">
+            <a:schemeClr val="lt1"/>
+          </a:fontRef>
+        </p:style>
+        <p:txBody>
+          <a:bodyPr rot="0" spcFirstLastPara="0" vertOverflow="overflow" horzOverflow="overflow" vert="horz" wrap="square" lIns="182880" tIns="146304" rIns="182880" bIns="146304" numCol="1" spcCol="0" rtlCol="0" fromWordArt="0" anchor="ctr" anchorCtr="0" forceAA="0" compatLnSpc="1">
+            <a:prstTxWarp prst="textNoShape">
+              <a:avLst/>
+            </a:prstTxWarp>
+            <a:noAutofit/>
+          </a:bodyPr>
+          <a:lstStyle/>
+          <a:p>
+            <a:pPr algn="ctr" defTabSz="932472" fontAlgn="base">
+              <a:lnSpc>
+                <a:spcPct val="90000"/>
+              </a:lnSpc>
+              <a:spcBef>
+                <a:spcPct val="0"/>
+              </a:spcBef>
+              <a:spcAft>
+                <a:spcPct val="0"/>
+              </a:spcAft>
+            </a:pPr>
+            <a:r>
+              <a:rPr lang="en-US" sz="900" b="1" dirty="0">
+                <a:solidFill>
+                  <a:schemeClr val="bg1"/>
+                </a:solidFill>
+                <a:latin typeface="Segoe UI" panose="020B0502040204020203" pitchFamily="34" charset="0"/>
+                <a:ea typeface="Segoe UI" panose="020B0502040204020203" pitchFamily="34" charset="0"/>
+                <a:cs typeface="Segoe UI" panose="020B0502040204020203" pitchFamily="34" charset="0"/>
+              </a:rPr>
+              <a:t>East US 2</a:t>
+            </a:r>
+          </a:p>
+        </p:txBody>
+      </p:sp>
+      <p:sp>
+        <p:nvSpPr>
+          <p:cNvPr id="8" name="Rectangle 7">
+            <a:extLst>
+              <a:ext uri="{FF2B5EF4-FFF2-40B4-BE49-F238E27FC236}">
+                <a16:creationId xmlns:a16="http://schemas.microsoft.com/office/drawing/2014/main" id="{2E045F90-7CD8-4F17-8405-9F655FF4CDC1}"/>
+              </a:ext>
+            </a:extLst>
+          </p:cNvPr>
+          <p:cNvSpPr/>
+          <p:nvPr/>
+        </p:nvSpPr>
+        <p:spPr bwMode="auto">
+          <a:xfrm>
+            <a:off x="6611088" y="4912659"/>
+            <a:ext cx="1439218" cy="179294"/>
+          </a:xfrm>
+          <a:prstGeom prst="rect">
+            <a:avLst/>
+          </a:prstGeom>
+          <a:solidFill>
+            <a:schemeClr val="tx1"/>
+          </a:solidFill>
+          <a:ln>
+            <a:noFill/>
+            <a:headEnd type="none" w="med" len="med"/>
+            <a:tailEnd type="none" w="med" len="med"/>
+          </a:ln>
+          <a:effectLst/>
+        </p:spPr>
+        <p:style>
+          <a:lnRef idx="1">
+            <a:schemeClr val="accent2"/>
+          </a:lnRef>
+          <a:fillRef idx="3">
+            <a:schemeClr val="accent2"/>
+          </a:fillRef>
+          <a:effectRef idx="2">
+            <a:schemeClr val="accent2"/>
+          </a:effectRef>
+          <a:fontRef idx="minor">
+            <a:schemeClr val="lt1"/>
+          </a:fontRef>
+        </p:style>
+        <p:txBody>
+          <a:bodyPr rot="0" spcFirstLastPara="0" vertOverflow="overflow" horzOverflow="overflow" vert="horz" wrap="square" lIns="182880" tIns="146304" rIns="182880" bIns="146304" numCol="1" spcCol="0" rtlCol="0" fromWordArt="0" anchor="ctr" anchorCtr="0" forceAA="0" compatLnSpc="1">
+            <a:prstTxWarp prst="textNoShape">
+              <a:avLst/>
+            </a:prstTxWarp>
+            <a:noAutofit/>
+          </a:bodyPr>
+          <a:lstStyle/>
+          <a:p>
+            <a:pPr algn="ctr" defTabSz="932472" fontAlgn="base">
+              <a:lnSpc>
+                <a:spcPct val="90000"/>
+              </a:lnSpc>
+              <a:spcBef>
+                <a:spcPct val="0"/>
+              </a:spcBef>
+              <a:spcAft>
+                <a:spcPct val="0"/>
+              </a:spcAft>
+            </a:pPr>
+            <a:r>
+              <a:rPr lang="en-US" sz="900" b="1" dirty="0">
+                <a:solidFill>
+                  <a:schemeClr val="bg1"/>
+                </a:solidFill>
+                <a:latin typeface="Segoe UI" panose="020B0502040204020203" pitchFamily="34" charset="0"/>
+                <a:ea typeface="Segoe UI" panose="020B0502040204020203" pitchFamily="34" charset="0"/>
+                <a:cs typeface="Segoe UI" panose="020B0502040204020203" pitchFamily="34" charset="0"/>
+              </a:rPr>
+              <a:t>Central US</a:t>
+            </a:r>
+          </a:p>
+        </p:txBody>
+      </p:sp>
+      <p:sp>
+        <p:nvSpPr>
+          <p:cNvPr id="9" name="Rectangle 8">
+            <a:extLst>
+              <a:ext uri="{FF2B5EF4-FFF2-40B4-BE49-F238E27FC236}">
+                <a16:creationId xmlns:a16="http://schemas.microsoft.com/office/drawing/2014/main" id="{AD8384BC-8ED3-48E2-B020-C0A9EC6D9A01}"/>
+              </a:ext>
+            </a:extLst>
+          </p:cNvPr>
+          <p:cNvSpPr/>
+          <p:nvPr/>
+        </p:nvSpPr>
+        <p:spPr bwMode="auto">
+          <a:xfrm>
+            <a:off x="10331441" y="2519082"/>
+            <a:ext cx="1286818" cy="224118"/>
+          </a:xfrm>
+          <a:prstGeom prst="rect">
+            <a:avLst/>
+          </a:prstGeom>
+          <a:solidFill>
+            <a:schemeClr val="tx1"/>
+          </a:solidFill>
+          <a:ln>
+            <a:noFill/>
+            <a:headEnd type="none" w="med" len="med"/>
+            <a:tailEnd type="none" w="med" len="med"/>
+          </a:ln>
+          <a:effectLst/>
+        </p:spPr>
+        <p:style>
+          <a:lnRef idx="1">
+            <a:schemeClr val="accent2"/>
+          </a:lnRef>
+          <a:fillRef idx="3">
+            <a:schemeClr val="accent2"/>
+          </a:fillRef>
+          <a:effectRef idx="2">
+            <a:schemeClr val="accent2"/>
+          </a:effectRef>
+          <a:fontRef idx="minor">
+            <a:schemeClr val="lt1"/>
+          </a:fontRef>
+        </p:style>
+        <p:txBody>
+          <a:bodyPr rot="0" spcFirstLastPara="0" vertOverflow="overflow" horzOverflow="overflow" vert="horz" wrap="square" lIns="182880" tIns="146304" rIns="182880" bIns="146304" numCol="1" spcCol="0" rtlCol="0" fromWordArt="0" anchor="ctr" anchorCtr="0" forceAA="0" compatLnSpc="1">
+            <a:prstTxWarp prst="textNoShape">
+              <a:avLst/>
+            </a:prstTxWarp>
+            <a:noAutofit/>
+          </a:bodyPr>
+          <a:lstStyle/>
+          <a:p>
+            <a:pPr algn="ctr" defTabSz="932472" fontAlgn="base">
+              <a:lnSpc>
+                <a:spcPct val="90000"/>
+              </a:lnSpc>
+              <a:spcBef>
+                <a:spcPct val="0"/>
+              </a:spcBef>
+              <a:spcAft>
+                <a:spcPct val="0"/>
+              </a:spcAft>
+            </a:pPr>
+            <a:r>
+              <a:rPr lang="en-US" sz="900" b="1" dirty="0">
+                <a:solidFill>
+                  <a:schemeClr val="bg1"/>
+                </a:solidFill>
+                <a:latin typeface="Segoe UI" panose="020B0502040204020203" pitchFamily="34" charset="0"/>
+                <a:ea typeface="Segoe UI" panose="020B0502040204020203" pitchFamily="34" charset="0"/>
+                <a:cs typeface="Segoe UI" panose="020B0502040204020203" pitchFamily="34" charset="0"/>
+              </a:rPr>
+              <a:t>Reston, VA</a:t>
+            </a:r>
+          </a:p>
+        </p:txBody>
+      </p:sp>
+      <p:sp>
+        <p:nvSpPr>
+          <p:cNvPr id="10" name="Rectangle 9">
+            <a:extLst>
+              <a:ext uri="{FF2B5EF4-FFF2-40B4-BE49-F238E27FC236}">
+                <a16:creationId xmlns:a16="http://schemas.microsoft.com/office/drawing/2014/main" id="{8473A35D-25F0-4CC6-A403-39FC382491D8}"/>
+              </a:ext>
+            </a:extLst>
+          </p:cNvPr>
+          <p:cNvSpPr/>
+          <p:nvPr/>
+        </p:nvSpPr>
+        <p:spPr bwMode="auto">
+          <a:xfrm>
+            <a:off x="10331441" y="5638800"/>
+            <a:ext cx="1286818" cy="224118"/>
+          </a:xfrm>
+          <a:prstGeom prst="rect">
+            <a:avLst/>
+          </a:prstGeom>
+          <a:solidFill>
+            <a:schemeClr val="tx1"/>
+          </a:solidFill>
+          <a:ln>
+            <a:noFill/>
+            <a:headEnd type="none" w="med" len="med"/>
+            <a:tailEnd type="none" w="med" len="med"/>
+          </a:ln>
+          <a:effectLst/>
+        </p:spPr>
+        <p:style>
+          <a:lnRef idx="1">
+            <a:schemeClr val="accent2"/>
+          </a:lnRef>
+          <a:fillRef idx="3">
+            <a:schemeClr val="accent2"/>
+          </a:fillRef>
+          <a:effectRef idx="2">
+            <a:schemeClr val="accent2"/>
+          </a:effectRef>
+          <a:fontRef idx="minor">
+            <a:schemeClr val="lt1"/>
+          </a:fontRef>
+        </p:style>
+        <p:txBody>
+          <a:bodyPr rot="0" spcFirstLastPara="0" vertOverflow="overflow" horzOverflow="overflow" vert="horz" wrap="square" lIns="182880" tIns="146304" rIns="182880" bIns="146304" numCol="1" spcCol="0" rtlCol="0" fromWordArt="0" anchor="ctr" anchorCtr="0" forceAA="0" compatLnSpc="1">
+            <a:prstTxWarp prst="textNoShape">
+              <a:avLst/>
+            </a:prstTxWarp>
+            <a:noAutofit/>
+          </a:bodyPr>
+          <a:lstStyle/>
+          <a:p>
+            <a:pPr algn="ctr" defTabSz="932472" fontAlgn="base">
+              <a:lnSpc>
+                <a:spcPct val="90000"/>
+              </a:lnSpc>
+              <a:spcBef>
+                <a:spcPct val="0"/>
+              </a:spcBef>
+              <a:spcAft>
+                <a:spcPct val="0"/>
+              </a:spcAft>
+            </a:pPr>
+            <a:r>
+              <a:rPr lang="en-US" sz="900" b="1" dirty="0">
+                <a:solidFill>
+                  <a:schemeClr val="bg1"/>
+                </a:solidFill>
+                <a:latin typeface="Segoe UI" panose="020B0502040204020203" pitchFamily="34" charset="0"/>
+                <a:ea typeface="Segoe UI" panose="020B0502040204020203" pitchFamily="34" charset="0"/>
+                <a:cs typeface="Segoe UI" panose="020B0502040204020203" pitchFamily="34" charset="0"/>
+              </a:rPr>
+              <a:t>Des Moines, IA</a:t>
+            </a:r>
           </a:p>
         </p:txBody>
       </p:sp>
@@ -26034,7 +26424,7 @@
           <a:p>
             <a:r>
               <a:rPr lang="en-US" dirty="0"/>
-              <a:t>Network Security Group usage (West Central)</a:t>
+              <a:t>Network Security Group usage (East US 2)</a:t>
             </a:r>
           </a:p>
         </p:txBody>
@@ -26138,7 +26528,7 @@
           <a:p>
             <a:r>
               <a:rPr lang="en-US" sz="3600" dirty="0"/>
-              <a:t>Since Contoso has not deployed any additional infrastructure to West US 2 the only ports needed are for administration and replication of Active Directory.</a:t>
+              <a:t>Since Contoso has not deployed any additional infrastructure to Central US the only ports needed are for administration and replication of Active Directory.</a:t>
             </a:r>
           </a:p>
           <a:p>
@@ -26163,7 +26553,7 @@
           <a:p>
             <a:r>
               <a:rPr lang="en-US" dirty="0"/>
-              <a:t>Network Security Group usage (West US 2)</a:t>
+              <a:t>Network Security Group usage (Central US)</a:t>
             </a:r>
           </a:p>
         </p:txBody>
@@ -26288,7 +26678,7 @@
         <p:spPr>
           <a:xfrm>
             <a:off x="325296" y="1107471"/>
-            <a:ext cx="5005799" cy="5263364"/>
+            <a:ext cx="5005799" cy="5806398"/>
           </a:xfrm>
         </p:spPr>
         <p:txBody>
@@ -26315,7 +26705,7 @@
           <a:p>
             <a:r>
               <a:rPr lang="en-US" dirty="0"/>
-              <a:t>Domain controllers deployed into availability sets </a:t>
+              <a:t>Domain controllers deployed into availability sets and availability zones</a:t>
             </a:r>
           </a:p>
           <a:p>
@@ -26434,6 +26824,162 @@
                 <a:cs typeface="Segoe UI" panose="020B0502040204020203" pitchFamily="34" charset="0"/>
               </a:rPr>
               <a:t>Availability Zone</a:t>
+            </a:r>
+          </a:p>
+        </p:txBody>
+      </p:sp>
+      <p:sp>
+        <p:nvSpPr>
+          <p:cNvPr id="6" name="Rectangle 5">
+            <a:extLst>
+              <a:ext uri="{FF2B5EF4-FFF2-40B4-BE49-F238E27FC236}">
+                <a16:creationId xmlns:a16="http://schemas.microsoft.com/office/drawing/2014/main" id="{DC29F006-0214-4B88-8212-8408D18107CB}"/>
+              </a:ext>
+            </a:extLst>
+          </p:cNvPr>
+          <p:cNvSpPr/>
+          <p:nvPr/>
+        </p:nvSpPr>
+        <p:spPr bwMode="auto">
+          <a:xfrm>
+            <a:off x="9954924" y="3240742"/>
+            <a:ext cx="1286818" cy="224118"/>
+          </a:xfrm>
+          <a:prstGeom prst="rect">
+            <a:avLst/>
+          </a:prstGeom>
+          <a:solidFill>
+            <a:schemeClr val="tx1"/>
+          </a:solidFill>
+          <a:ln>
+            <a:noFill/>
+            <a:headEnd type="none" w="med" len="med"/>
+            <a:tailEnd type="none" w="med" len="med"/>
+          </a:ln>
+          <a:effectLst/>
+        </p:spPr>
+        <p:style>
+          <a:lnRef idx="1">
+            <a:schemeClr val="accent2"/>
+          </a:lnRef>
+          <a:fillRef idx="3">
+            <a:schemeClr val="accent2"/>
+          </a:fillRef>
+          <a:effectRef idx="2">
+            <a:schemeClr val="accent2"/>
+          </a:effectRef>
+          <a:fontRef idx="minor">
+            <a:schemeClr val="lt1"/>
+          </a:fontRef>
+        </p:style>
+        <p:txBody>
+          <a:bodyPr rot="0" spcFirstLastPara="0" vertOverflow="overflow" horzOverflow="overflow" vert="horz" wrap="square" lIns="182880" tIns="146304" rIns="182880" bIns="146304" numCol="1" spcCol="0" rtlCol="0" fromWordArt="0" anchor="ctr" anchorCtr="0" forceAA="0" compatLnSpc="1">
+            <a:prstTxWarp prst="textNoShape">
+              <a:avLst/>
+            </a:prstTxWarp>
+            <a:noAutofit/>
+          </a:bodyPr>
+          <a:lstStyle/>
+          <a:p>
+            <a:pPr algn="ctr" defTabSz="932472" fontAlgn="base">
+              <a:lnSpc>
+                <a:spcPct val="90000"/>
+              </a:lnSpc>
+              <a:spcBef>
+                <a:spcPct val="0"/>
+              </a:spcBef>
+              <a:spcAft>
+                <a:spcPct val="0"/>
+              </a:spcAft>
+            </a:pPr>
+            <a:r>
+              <a:rPr lang="en-US" sz="900" b="1" dirty="0">
+                <a:solidFill>
+                  <a:schemeClr val="bg1"/>
+                </a:solidFill>
+                <a:latin typeface="Segoe UI" panose="020B0502040204020203" pitchFamily="34" charset="0"/>
+                <a:ea typeface="Segoe UI" panose="020B0502040204020203" pitchFamily="34" charset="0"/>
+                <a:cs typeface="Segoe UI" panose="020B0502040204020203" pitchFamily="34" charset="0"/>
+              </a:rPr>
+              <a:t>East US 2 </a:t>
+            </a:r>
+          </a:p>
+        </p:txBody>
+      </p:sp>
+      <p:sp>
+        <p:nvSpPr>
+          <p:cNvPr id="7" name="Rectangle 6">
+            <a:extLst>
+              <a:ext uri="{FF2B5EF4-FFF2-40B4-BE49-F238E27FC236}">
+                <a16:creationId xmlns:a16="http://schemas.microsoft.com/office/drawing/2014/main" id="{CD9417BE-58C4-47B2-B258-881573F331FE}"/>
+              </a:ext>
+            </a:extLst>
+          </p:cNvPr>
+          <p:cNvSpPr/>
+          <p:nvPr/>
+        </p:nvSpPr>
+        <p:spPr bwMode="auto">
+          <a:xfrm>
+            <a:off x="9954924" y="6060141"/>
+            <a:ext cx="1286818" cy="224118"/>
+          </a:xfrm>
+          <a:prstGeom prst="rect">
+            <a:avLst/>
+          </a:prstGeom>
+          <a:solidFill>
+            <a:schemeClr val="tx1"/>
+          </a:solidFill>
+          <a:ln>
+            <a:noFill/>
+            <a:headEnd type="none" w="med" len="med"/>
+            <a:tailEnd type="none" w="med" len="med"/>
+          </a:ln>
+          <a:effectLst/>
+        </p:spPr>
+        <p:style>
+          <a:lnRef idx="1">
+            <a:schemeClr val="accent2"/>
+          </a:lnRef>
+          <a:fillRef idx="3">
+            <a:schemeClr val="accent2"/>
+          </a:fillRef>
+          <a:effectRef idx="2">
+            <a:schemeClr val="accent2"/>
+          </a:effectRef>
+          <a:fontRef idx="minor">
+            <a:schemeClr val="lt1"/>
+          </a:fontRef>
+        </p:style>
+        <p:txBody>
+          <a:bodyPr rot="0" spcFirstLastPara="0" vertOverflow="overflow" horzOverflow="overflow" vert="horz" wrap="square" lIns="182880" tIns="146304" rIns="182880" bIns="146304" numCol="1" spcCol="0" rtlCol="0" fromWordArt="0" anchor="ctr" anchorCtr="0" forceAA="0" compatLnSpc="1">
+            <a:prstTxWarp prst="textNoShape">
+              <a:avLst/>
+            </a:prstTxWarp>
+            <a:noAutofit/>
+          </a:bodyPr>
+          <a:lstStyle/>
+          <a:p>
+            <a:pPr algn="ctr" defTabSz="932472" fontAlgn="base">
+              <a:lnSpc>
+                <a:spcPct val="90000"/>
+              </a:lnSpc>
+              <a:spcBef>
+                <a:spcPct val="0"/>
+              </a:spcBef>
+              <a:spcAft>
+                <a:spcPct val="0"/>
+              </a:spcAft>
+            </a:pPr>
+            <a:r>
+              <a:rPr lang="en-US" sz="900" b="1" dirty="0">
+                <a:solidFill>
+                  <a:schemeClr val="bg1"/>
+                </a:solidFill>
+                <a:latin typeface="Segoe UI" panose="020B0502040204020203" pitchFamily="34" charset="0"/>
+                <a:ea typeface="Segoe UI" panose="020B0502040204020203" pitchFamily="34" charset="0"/>
+                <a:cs typeface="Segoe UI" panose="020B0502040204020203" pitchFamily="34" charset="0"/>
+              </a:rPr>
+              <a:t>Central US</a:t>
             </a:r>
           </a:p>
         </p:txBody>
@@ -27988,6 +28534,84 @@
           </a:p>
         </p:txBody>
       </p:sp>
+      <p:sp>
+        <p:nvSpPr>
+          <p:cNvPr id="7" name="Rectangle 6">
+            <a:extLst>
+              <a:ext uri="{FF2B5EF4-FFF2-40B4-BE49-F238E27FC236}">
+                <a16:creationId xmlns:a16="http://schemas.microsoft.com/office/drawing/2014/main" id="{BC493CF7-0693-4AC8-B443-0C515463A3CF}"/>
+              </a:ext>
+            </a:extLst>
+          </p:cNvPr>
+          <p:cNvSpPr/>
+          <p:nvPr/>
+        </p:nvSpPr>
+        <p:spPr bwMode="auto">
+          <a:xfrm>
+            <a:off x="6690404" y="1817832"/>
+            <a:ext cx="1046137" cy="224118"/>
+          </a:xfrm>
+          <a:prstGeom prst="rect">
+            <a:avLst/>
+          </a:prstGeom>
+          <a:solidFill>
+            <a:schemeClr val="tx1"/>
+          </a:solidFill>
+          <a:ln>
+            <a:noFill/>
+            <a:headEnd type="none" w="med" len="med"/>
+            <a:tailEnd type="none" w="med" len="med"/>
+          </a:ln>
+          <a:effectLst/>
+        </p:spPr>
+        <p:style>
+          <a:lnRef idx="1">
+            <a:schemeClr val="accent2"/>
+          </a:lnRef>
+          <a:fillRef idx="3">
+            <a:schemeClr val="accent2"/>
+          </a:fillRef>
+          <a:effectRef idx="2">
+            <a:schemeClr val="accent2"/>
+          </a:effectRef>
+          <a:fontRef idx="minor">
+            <a:schemeClr val="lt1"/>
+          </a:fontRef>
+        </p:style>
+        <p:txBody>
+          <a:bodyPr rot="0" spcFirstLastPara="0" vertOverflow="overflow" horzOverflow="overflow" vert="horz" wrap="square" lIns="182880" tIns="146304" rIns="182880" bIns="146304" numCol="1" spcCol="0" rtlCol="0" fromWordArt="0" anchor="ctr" anchorCtr="0" forceAA="0" compatLnSpc="1">
+            <a:prstTxWarp prst="textNoShape">
+              <a:avLst/>
+            </a:prstTxWarp>
+            <a:noAutofit/>
+          </a:bodyPr>
+          <a:lstStyle/>
+          <a:p>
+            <a:pPr algn="ctr" defTabSz="932472" fontAlgn="base">
+              <a:lnSpc>
+                <a:spcPct val="90000"/>
+              </a:lnSpc>
+              <a:spcBef>
+                <a:spcPct val="0"/>
+              </a:spcBef>
+              <a:spcAft>
+                <a:spcPct val="0"/>
+              </a:spcAft>
+            </a:pPr>
+            <a:r>
+              <a:rPr lang="en-US" sz="900" b="1" dirty="0">
+                <a:solidFill>
+                  <a:schemeClr val="bg1"/>
+                </a:solidFill>
+                <a:latin typeface="Segoe UI" panose="020B0502040204020203" pitchFamily="34" charset="0"/>
+                <a:ea typeface="Segoe UI" panose="020B0502040204020203" pitchFamily="34" charset="0"/>
+                <a:cs typeface="Segoe UI" panose="020B0502040204020203" pitchFamily="34" charset="0"/>
+              </a:rPr>
+              <a:t>East US 2</a:t>
+            </a:r>
+          </a:p>
+        </p:txBody>
+      </p:sp>
     </p:spTree>
     <p:extLst>
       <p:ext uri="{BB962C8B-B14F-4D97-AF65-F5344CB8AC3E}">
@@ -29593,7 +30217,7 @@
           <a:p>
             <a:r>
               <a:rPr lang="en-US" sz="2800" dirty="0"/>
-              <a:t>Headquarters is in Cheyenne, Wyoming with a secondary location in Seattle, Washington.</a:t>
+              <a:t>Headquarters is in Reston, Virginia with a secondary location in Des Moines, Iowa.</a:t>
             </a:r>
           </a:p>
         </p:txBody>
@@ -30192,7 +30816,7 @@
           <a:p>
             <a:r>
               <a:rPr lang="en-US" sz="2800" dirty="0"/>
-              <a:t>Currently have a single domain controller deployed in west central US.</a:t>
+              <a:t>Currently have a single domain controller deployed in East US 2 region.</a:t>
             </a:r>
           </a:p>
           <a:p>
@@ -30258,6 +30882,162 @@
           </a:prstGeom>
         </p:spPr>
       </p:pic>
+      <p:sp>
+        <p:nvSpPr>
+          <p:cNvPr id="5" name="Rectangle 4">
+            <a:extLst>
+              <a:ext uri="{FF2B5EF4-FFF2-40B4-BE49-F238E27FC236}">
+                <a16:creationId xmlns:a16="http://schemas.microsoft.com/office/drawing/2014/main" id="{B3064724-606F-4E3C-AE4A-9D8BC47F2BD4}"/>
+              </a:ext>
+            </a:extLst>
+          </p:cNvPr>
+          <p:cNvSpPr/>
+          <p:nvPr/>
+        </p:nvSpPr>
+        <p:spPr bwMode="auto">
+          <a:xfrm>
+            <a:off x="1626710" y="6278623"/>
+            <a:ext cx="1968137" cy="289866"/>
+          </a:xfrm>
+          <a:prstGeom prst="rect">
+            <a:avLst/>
+          </a:prstGeom>
+          <a:solidFill>
+            <a:schemeClr val="tx1"/>
+          </a:solidFill>
+          <a:ln>
+            <a:noFill/>
+            <a:headEnd type="none" w="med" len="med"/>
+            <a:tailEnd type="none" w="med" len="med"/>
+          </a:ln>
+          <a:effectLst/>
+        </p:spPr>
+        <p:style>
+          <a:lnRef idx="1">
+            <a:schemeClr val="accent2"/>
+          </a:lnRef>
+          <a:fillRef idx="3">
+            <a:schemeClr val="accent2"/>
+          </a:fillRef>
+          <a:effectRef idx="2">
+            <a:schemeClr val="accent2"/>
+          </a:effectRef>
+          <a:fontRef idx="minor">
+            <a:schemeClr val="lt1"/>
+          </a:fontRef>
+        </p:style>
+        <p:txBody>
+          <a:bodyPr rot="0" spcFirstLastPara="0" vertOverflow="overflow" horzOverflow="overflow" vert="horz" wrap="square" lIns="182880" tIns="146304" rIns="182880" bIns="146304" numCol="1" spcCol="0" rtlCol="0" fromWordArt="0" anchor="ctr" anchorCtr="0" forceAA="0" compatLnSpc="1">
+            <a:prstTxWarp prst="textNoShape">
+              <a:avLst/>
+            </a:prstTxWarp>
+            <a:noAutofit/>
+          </a:bodyPr>
+          <a:lstStyle/>
+          <a:p>
+            <a:pPr algn="ctr" defTabSz="932472" fontAlgn="base">
+              <a:lnSpc>
+                <a:spcPct val="90000"/>
+              </a:lnSpc>
+              <a:spcBef>
+                <a:spcPct val="0"/>
+              </a:spcBef>
+              <a:spcAft>
+                <a:spcPct val="0"/>
+              </a:spcAft>
+            </a:pPr>
+            <a:r>
+              <a:rPr lang="en-US" sz="1050" b="1" dirty="0">
+                <a:solidFill>
+                  <a:schemeClr val="bg1"/>
+                </a:solidFill>
+                <a:latin typeface="Segoe UI" panose="020B0502040204020203" pitchFamily="34" charset="0"/>
+                <a:ea typeface="Segoe UI" panose="020B0502040204020203" pitchFamily="34" charset="0"/>
+                <a:cs typeface="Segoe UI" panose="020B0502040204020203" pitchFamily="34" charset="0"/>
+              </a:rPr>
+              <a:t>Reston, Virginia</a:t>
+            </a:r>
+          </a:p>
+        </p:txBody>
+      </p:sp>
+      <p:sp>
+        <p:nvSpPr>
+          <p:cNvPr id="6" name="Rectangle 5">
+            <a:extLst>
+              <a:ext uri="{FF2B5EF4-FFF2-40B4-BE49-F238E27FC236}">
+                <a16:creationId xmlns:a16="http://schemas.microsoft.com/office/drawing/2014/main" id="{1B261383-76C2-469C-B993-1243C2B974A3}"/>
+              </a:ext>
+            </a:extLst>
+          </p:cNvPr>
+          <p:cNvSpPr/>
+          <p:nvPr/>
+        </p:nvSpPr>
+        <p:spPr bwMode="auto">
+          <a:xfrm>
+            <a:off x="8870192" y="6278623"/>
+            <a:ext cx="1878490" cy="289866"/>
+          </a:xfrm>
+          <a:prstGeom prst="rect">
+            <a:avLst/>
+          </a:prstGeom>
+          <a:solidFill>
+            <a:schemeClr val="tx1"/>
+          </a:solidFill>
+          <a:ln>
+            <a:noFill/>
+            <a:headEnd type="none" w="med" len="med"/>
+            <a:tailEnd type="none" w="med" len="med"/>
+          </a:ln>
+          <a:effectLst/>
+        </p:spPr>
+        <p:style>
+          <a:lnRef idx="1">
+            <a:schemeClr val="accent2"/>
+          </a:lnRef>
+          <a:fillRef idx="3">
+            <a:schemeClr val="accent2"/>
+          </a:fillRef>
+          <a:effectRef idx="2">
+            <a:schemeClr val="accent2"/>
+          </a:effectRef>
+          <a:fontRef idx="minor">
+            <a:schemeClr val="lt1"/>
+          </a:fontRef>
+        </p:style>
+        <p:txBody>
+          <a:bodyPr rot="0" spcFirstLastPara="0" vertOverflow="overflow" horzOverflow="overflow" vert="horz" wrap="square" lIns="182880" tIns="146304" rIns="182880" bIns="146304" numCol="1" spcCol="0" rtlCol="0" fromWordArt="0" anchor="ctr" anchorCtr="0" forceAA="0" compatLnSpc="1">
+            <a:prstTxWarp prst="textNoShape">
+              <a:avLst/>
+            </a:prstTxWarp>
+            <a:noAutofit/>
+          </a:bodyPr>
+          <a:lstStyle/>
+          <a:p>
+            <a:pPr algn="ctr" defTabSz="932472" fontAlgn="base">
+              <a:lnSpc>
+                <a:spcPct val="90000"/>
+              </a:lnSpc>
+              <a:spcBef>
+                <a:spcPct val="0"/>
+              </a:spcBef>
+              <a:spcAft>
+                <a:spcPct val="0"/>
+              </a:spcAft>
+            </a:pPr>
+            <a:r>
+              <a:rPr lang="en-US" sz="1050" b="1" dirty="0">
+                <a:solidFill>
+                  <a:schemeClr val="bg1"/>
+                </a:solidFill>
+                <a:latin typeface="Segoe UI" panose="020B0502040204020203" pitchFamily="34" charset="0"/>
+                <a:ea typeface="Segoe UI" panose="020B0502040204020203" pitchFamily="34" charset="0"/>
+                <a:cs typeface="Segoe UI" panose="020B0502040204020203" pitchFamily="34" charset="0"/>
+              </a:rPr>
+              <a:t>East US 2</a:t>
+            </a:r>
+          </a:p>
+        </p:txBody>
+      </p:sp>
     </p:spTree>
     <p:extLst>
       <p:ext uri="{BB962C8B-B14F-4D97-AF65-F5344CB8AC3E}">
@@ -31442,6 +32222,15 @@
 </file>
 
 <file path=customXml/item1.xml><?xml version="1.0" encoding="utf-8"?>
+<?mso-contentType ?>
+<FormTemplates xmlns="http://schemas.microsoft.com/sharepoint/v3/contenttype/forms">
+  <Display>DocumentLibraryForm</Display>
+  <Edit>DocumentLibraryForm</Edit>
+  <New>DocumentLibraryForm</New>
+</FormTemplates>
+</file>
+
+<file path=customXml/item2.xml><?xml version="1.0" encoding="utf-8"?>
 <ct:contentTypeSchema xmlns:ct="http://schemas.microsoft.com/office/2006/metadata/contentType" xmlns:ma="http://schemas.microsoft.com/office/2006/metadata/properties/metaAttributes" ct:_="" ma:_="" ma:contentTypeName="Document" ma:contentTypeID="0x010100D15DFA3690A15B4081582BBCC6BEAC3E" ma:contentTypeVersion="9" ma:contentTypeDescription="Create a new document." ma:contentTypeScope="" ma:versionID="642da1784587cbe85a7fdbbe4dc36103">
   <xsd:schema xmlns:xsd="http://www.w3.org/2001/XMLSchema" xmlns:xs="http://www.w3.org/2001/XMLSchema" xmlns:p="http://schemas.microsoft.com/office/2006/metadata/properties" xmlns:ns1="http://schemas.microsoft.com/sharepoint/v3" xmlns:ns2="2023ac63-7b75-4916-a9ee-591457758eee" xmlns:ns3="d9c797ad-d7c3-4982-82b7-81352a75e4a5" targetNamespace="http://schemas.microsoft.com/office/2006/metadata/properties" ma:root="true" ma:fieldsID="91198b0246576053cc55dd2c67035a89" ns1:_="" ns2:_="" ns3:_="">
     <xsd:import namespace="http://schemas.microsoft.com/sharepoint/v3"/>
@@ -31643,15 +32432,6 @@
 </ct:contentTypeSchema>
 </file>
 
-<file path=customXml/item2.xml><?xml version="1.0" encoding="utf-8"?>
-<?mso-contentType ?>
-<FormTemplates xmlns="http://schemas.microsoft.com/sharepoint/v3/contenttype/forms">
-  <Display>DocumentLibraryForm</Display>
-  <Edit>DocumentLibraryForm</Edit>
-  <New>DocumentLibraryForm</New>
-</FormTemplates>
-</file>
-
 <file path=customXml/item3.xml><?xml version="1.0" encoding="utf-8"?>
 <p:properties xmlns:p="http://schemas.microsoft.com/office/2006/metadata/properties" xmlns:xsi="http://www.w3.org/2001/XMLSchema-instance" xmlns:pc="http://schemas.microsoft.com/office/infopath/2007/PartnerControls">
   <documentManagement>
@@ -31662,6 +32442,14 @@
 </file>
 
 <file path=customXml/itemProps1.xml><?xml version="1.0" encoding="utf-8"?>
+<ds:datastoreItem xmlns:ds="http://schemas.openxmlformats.org/officeDocument/2006/customXml" ds:itemID="{D5A22677-9165-4AB6-9580-CE94CCD209C5}">
+  <ds:schemaRefs>
+    <ds:schemaRef ds:uri="http://schemas.microsoft.com/sharepoint/v3/contenttype/forms"/>
+  </ds:schemaRefs>
+</ds:datastoreItem>
+</file>
+
+<file path=customXml/itemProps2.xml><?xml version="1.0" encoding="utf-8"?>
 <ds:datastoreItem xmlns:ds="http://schemas.openxmlformats.org/officeDocument/2006/customXml" ds:itemID="{A26E40F2-DB1A-4ED5-85D8-FAE814896E97}">
   <ds:schemaRefs>
     <ds:schemaRef ds:uri="http://schemas.microsoft.com/office/2006/metadata/contentType"/>
@@ -31677,14 +32465,6 @@
     <ds:schemaRef ds:uri="http://purl.org/dc/elements/1.1/"/>
     <ds:schemaRef ds:uri="http://purl.org/dc/terms/"/>
     <ds:schemaRef ds:uri="http://schemas.microsoft.com/internal/obd"/>
-  </ds:schemaRefs>
-</ds:datastoreItem>
-</file>
-
-<file path=customXml/itemProps2.xml><?xml version="1.0" encoding="utf-8"?>
-<ds:datastoreItem xmlns:ds="http://schemas.openxmlformats.org/officeDocument/2006/customXml" ds:itemID="{D5A22677-9165-4AB6-9580-CE94CCD209C5}">
-  <ds:schemaRefs>
-    <ds:schemaRef ds:uri="http://schemas.microsoft.com/sharepoint/v3/contenttype/forms"/>
   </ds:schemaRefs>
 </ds:datastoreItem>
 </file>
